--- a/포트폴리오/주차별/빅프로젝트/DX_빅프로젝트 설명회/개인별 과제 정의서_DX_0조_석지혜.pptx
+++ b/포트폴리오/주차별/빅프로젝트/DX_빅프로젝트 설명회/개인별 과제 정의서_DX_0조_석지혜.pptx
@@ -348,7 +348,7 @@
           <a:p>
             <a:fld id="{E4DD5EE2-0F71-437D-9438-13CCE6E2D3A4}" type="datetimeFigureOut">
               <a:rPr lang="ko-KR" altLang="en-US" smtClean="0"/>
-              <a:t>2024-06-04</a:t>
+              <a:t>2024-06-13</a:t>
             </a:fld>
             <a:endParaRPr lang="ko-KR" altLang="en-US"/>
           </a:p>
@@ -4603,7 +4603,7 @@
           <p:nvPr>
             <p:extLst>
               <p:ext uri="{D42A27DB-BD31-4B8C-83A1-F6EECF244321}">
-                <p14:modId xmlns:p14="http://schemas.microsoft.com/office/powerpoint/2010/main" val="185163645"/>
+                <p14:modId xmlns:p14="http://schemas.microsoft.com/office/powerpoint/2010/main" val="1023221396"/>
               </p:ext>
             </p:extLst>
           </p:nvPr>
@@ -4751,20 +4751,12 @@
                         <a:buNone/>
                       </a:pPr>
                       <a:r>
-                        <a:rPr lang="en-US" sz="1600" dirty="0">
-                          <a:solidFill>
-                            <a:schemeClr val="tx1"/>
-                          </a:solidFill>
-                        </a:rPr>
-                        <a:t>[00</a:t>
-                      </a:r>
-                      <a:r>
                         <a:rPr lang="ko-KR" altLang="en-US" sz="1600" dirty="0">
                           <a:solidFill>
                             <a:schemeClr val="tx1"/>
                           </a:solidFill>
                         </a:rPr>
-                        <a:t>조</a:t>
+                        <a:t>수도권역 </a:t>
                       </a:r>
                       <a:r>
                         <a:rPr lang="en-US" altLang="ko-KR" sz="1600" dirty="0">
@@ -4772,23 +4764,7 @@
                             <a:schemeClr val="tx1"/>
                           </a:solidFill>
                         </a:rPr>
-                        <a:t>] </a:t>
-                      </a:r>
-                      <a:r>
-                        <a:rPr lang="ko-KR" altLang="en-US" sz="1600" dirty="0">
-                          <a:solidFill>
-                            <a:schemeClr val="tx1"/>
-                          </a:solidFill>
-                        </a:rPr>
-                        <a:t>권역 </a:t>
-                      </a:r>
-                      <a:r>
-                        <a:rPr lang="en-US" altLang="ko-KR" sz="1600" dirty="0">
-                          <a:solidFill>
-                            <a:schemeClr val="tx1"/>
-                          </a:solidFill>
-                        </a:rPr>
-                        <a:t>0</a:t>
+                        <a:t>4</a:t>
                       </a:r>
                       <a:r>
                         <a:rPr lang="ko-KR" altLang="en-US" sz="1600" dirty="0">
@@ -4804,7 +4780,7 @@
                             <a:schemeClr val="tx1"/>
                           </a:solidFill>
                         </a:rPr>
-                        <a:t>0</a:t>
+                        <a:t>13</a:t>
                       </a:r>
                       <a:r>
                         <a:rPr lang="ko-KR" altLang="en-US" sz="1600" dirty="0">
@@ -4957,12 +4933,12 @@
                         <a:buNone/>
                       </a:pPr>
                       <a:r>
-                        <a:rPr lang="ko-KR" altLang="en-US" sz="1600" dirty="0" err="1">
+                        <a:rPr lang="ko-KR" altLang="en-US" sz="1600" dirty="0">
                           <a:solidFill>
                             <a:schemeClr val="tx1"/>
                           </a:solidFill>
                         </a:rPr>
-                        <a:t>ㅇㅇㅇㅇ</a:t>
+                        <a:t>디지털 컨텐츠</a:t>
                       </a:r>
                       <a:endParaRPr sz="1600" dirty="0">
                         <a:solidFill>
@@ -5093,16 +5069,130 @@
                     <a:bodyPr/>
                     <a:lstStyle/>
                     <a:p>
-                      <a:pPr marL="0" marR="0" lvl="0" indent="0" algn="l" rtl="0">
+                      <a:pPr marL="0" marR="0" lvl="0" indent="0" algn="ctr" defTabSz="914400" rtl="0" eaLnBrk="1" fontAlgn="auto" latinLnBrk="0" hangingPunct="1">
+                        <a:lnSpc>
+                          <a:spcPct val="100000"/>
+                        </a:lnSpc>
                         <a:spcBef>
                           <a:spcPts val="0"/>
                         </a:spcBef>
                         <a:spcAft>
                           <a:spcPts val="0"/>
                         </a:spcAft>
+                        <a:buClr>
+                          <a:srgbClr val="000000"/>
+                        </a:buClr>
+                        <a:buSzTx/>
+                        <a:buFont typeface="Arial"/>
                         <a:buNone/>
+                        <a:tabLst/>
+                        <a:defRPr/>
                       </a:pPr>
-                      <a:endParaRPr sz="1300" u="none" strike="noStrike" cap="none" dirty="0">
+                      <a:r>
+                        <a:rPr lang="ko-KR" altLang="en-US" sz="1300" u="none" strike="noStrike" cap="none" dirty="0">
+                          <a:solidFill>
+                            <a:schemeClr val="tx1"/>
+                          </a:solidFill>
+                        </a:rPr>
+                        <a:t>박태일</a:t>
+                      </a:r>
+                      <a:r>
+                        <a:rPr lang="en-US" altLang="ko-KR" sz="1300" u="none" strike="noStrike" cap="none" dirty="0">
+                          <a:solidFill>
+                            <a:schemeClr val="tx1"/>
+                          </a:solidFill>
+                        </a:rPr>
+                        <a:t>, </a:t>
+                      </a:r>
+                      <a:r>
+                        <a:rPr lang="ko-KR" altLang="en-US" sz="1300" u="none" strike="noStrike" cap="none" dirty="0">
+                          <a:solidFill>
+                            <a:schemeClr val="tx1"/>
+                          </a:solidFill>
+                        </a:rPr>
+                        <a:t>윤명식</a:t>
+                      </a:r>
+                      <a:r>
+                        <a:rPr lang="en-US" altLang="ko-KR" sz="1300" u="none" strike="noStrike" cap="none" dirty="0">
+                          <a:solidFill>
+                            <a:schemeClr val="tx1"/>
+                          </a:solidFill>
+                        </a:rPr>
+                        <a:t>, </a:t>
+                      </a:r>
+                      <a:r>
+                        <a:rPr lang="ko-KR" altLang="en-US" sz="1300" u="none" strike="noStrike" cap="none" dirty="0" err="1">
+                          <a:solidFill>
+                            <a:schemeClr val="tx1"/>
+                          </a:solidFill>
+                        </a:rPr>
+                        <a:t>류지선</a:t>
+                      </a:r>
+                      <a:r>
+                        <a:rPr lang="en-US" altLang="ko-KR" sz="1300" u="none" strike="noStrike" cap="none" dirty="0">
+                          <a:solidFill>
+                            <a:schemeClr val="tx1"/>
+                          </a:solidFill>
+                        </a:rPr>
+                        <a:t>, </a:t>
+                      </a:r>
+                      <a:r>
+                        <a:rPr lang="ko-KR" altLang="en-US" sz="1300" u="none" strike="noStrike" cap="none" dirty="0" err="1">
+                          <a:solidFill>
+                            <a:schemeClr val="tx1"/>
+                          </a:solidFill>
+                        </a:rPr>
+                        <a:t>박주형</a:t>
+                      </a:r>
+                      <a:r>
+                        <a:rPr lang="en-US" altLang="ko-KR" sz="1300" u="none" strike="noStrike" cap="none" dirty="0">
+                          <a:solidFill>
+                            <a:schemeClr val="tx1"/>
+                          </a:solidFill>
+                        </a:rPr>
+                        <a:t>, </a:t>
+                      </a:r>
+                      <a:r>
+                        <a:rPr lang="ko-KR" altLang="en-US" sz="1300" u="none" strike="noStrike" cap="none" dirty="0" err="1">
+                          <a:solidFill>
+                            <a:schemeClr val="tx1"/>
+                          </a:solidFill>
+                        </a:rPr>
+                        <a:t>신인재</a:t>
+                      </a:r>
+                      <a:r>
+                        <a:rPr lang="en-US" altLang="ko-KR" sz="1300" u="none" strike="noStrike" cap="none" dirty="0">
+                          <a:solidFill>
+                            <a:schemeClr val="tx1"/>
+                          </a:solidFill>
+                        </a:rPr>
+                        <a:t>, </a:t>
+                      </a:r>
+                      <a:r>
+                        <a:rPr lang="ko-KR" altLang="en-US" sz="1300" u="none" strike="noStrike" cap="none" dirty="0">
+                          <a:solidFill>
+                            <a:schemeClr val="tx1"/>
+                          </a:solidFill>
+                        </a:rPr>
+                        <a:t>안은지</a:t>
+                      </a:r>
+                      <a:r>
+                        <a:rPr lang="en-US" altLang="ko-KR" sz="1300" u="none" strike="noStrike" cap="none" dirty="0">
+                          <a:solidFill>
+                            <a:schemeClr val="tx1"/>
+                          </a:solidFill>
+                        </a:rPr>
+                        <a:t>, </a:t>
+                      </a:r>
+                      <a:r>
+                        <a:rPr lang="ko-KR" altLang="en-US" sz="1300" u="none" strike="noStrike" cap="none" dirty="0" err="1">
+                          <a:solidFill>
+                            <a:schemeClr val="tx1"/>
+                          </a:solidFill>
+                        </a:rPr>
+                        <a:t>하예빈</a:t>
+                      </a:r>
+                      <a:endParaRPr lang="ko-KR" altLang="en-US" sz="1300" u="none" strike="noStrike" cap="none" dirty="0">
                         <a:solidFill>
                           <a:schemeClr val="tx1"/>
                         </a:solidFill>
@@ -5250,7 +5340,7 @@
                     <a:bodyPr/>
                     <a:lstStyle/>
                     <a:p>
-                      <a:pPr marL="0" marR="0" lvl="0" indent="0" algn="l" rtl="0">
+                      <a:pPr marL="0" marR="0" lvl="0" indent="0" algn="ctr" rtl="0">
                         <a:spcBef>
                           <a:spcPts val="0"/>
                         </a:spcBef>
@@ -5259,6 +5349,22 @@
                         </a:spcAft>
                         <a:buNone/>
                       </a:pPr>
+                      <a:r>
+                        <a:rPr lang="ko-KR" altLang="en-US" sz="1300" u="none" strike="noStrike" cap="none" dirty="0" err="1">
+                          <a:solidFill>
+                            <a:schemeClr val="tx1"/>
+                          </a:solidFill>
+                        </a:rPr>
+                        <a:t>티빙</a:t>
+                      </a:r>
+                      <a:r>
+                        <a:rPr lang="ko-KR" altLang="en-US" sz="1300" u="none" strike="noStrike" cap="none" dirty="0">
+                          <a:solidFill>
+                            <a:schemeClr val="tx1"/>
+                          </a:solidFill>
+                        </a:rPr>
+                        <a:t> 추천시스템</a:t>
+                      </a:r>
                       <a:endParaRPr sz="1300" u="none" strike="noStrike" cap="none" dirty="0">
                         <a:solidFill>
                           <a:schemeClr val="tx1"/>
@@ -5463,6 +5569,62 @@
                         </a:spcAft>
                         <a:buNone/>
                       </a:pPr>
+                      <a:r>
+                        <a:rPr lang="ko-KR" altLang="en-US" sz="1300" u="none" strike="noStrike" cap="none" dirty="0">
+                          <a:solidFill>
+                            <a:schemeClr val="tx1"/>
+                          </a:solidFill>
+                        </a:rPr>
+                        <a:t>구독자 트렌드를 파악을 통해 지속적인 분석</a:t>
+                      </a:r>
+                      <a:endParaRPr lang="en-US" altLang="ko-KR" sz="1300" u="none" strike="noStrike" cap="none" dirty="0">
+                        <a:solidFill>
+                          <a:schemeClr val="tx1"/>
+                        </a:solidFill>
+                      </a:endParaRPr>
+                    </a:p>
+                    <a:p>
+                      <a:pPr marL="0" marR="0" lvl="0" indent="0" algn="l" rtl="0">
+                        <a:spcBef>
+                          <a:spcPts val="0"/>
+                        </a:spcBef>
+                        <a:spcAft>
+                          <a:spcPts val="0"/>
+                        </a:spcAft>
+                        <a:buNone/>
+                      </a:pPr>
+                      <a:r>
+                        <a:rPr lang="ko-KR" altLang="en-US" sz="1300" u="none" strike="noStrike" cap="none" dirty="0">
+                          <a:solidFill>
+                            <a:schemeClr val="tx1"/>
+                          </a:solidFill>
+                        </a:rPr>
+                        <a:t>협업 알고리즘</a:t>
+                      </a:r>
+                      <a:endParaRPr lang="en-US" altLang="ko-KR" sz="1300" u="none" strike="noStrike" cap="none" dirty="0">
+                        <a:solidFill>
+                          <a:schemeClr val="tx1"/>
+                        </a:solidFill>
+                      </a:endParaRPr>
+                    </a:p>
+                    <a:p>
+                      <a:pPr marL="0" marR="0" lvl="0" indent="0" algn="l" rtl="0">
+                        <a:spcBef>
+                          <a:spcPts val="0"/>
+                        </a:spcBef>
+                        <a:spcAft>
+                          <a:spcPts val="0"/>
+                        </a:spcAft>
+                        <a:buNone/>
+                      </a:pPr>
+                      <a:r>
+                        <a:rPr lang="ko-KR" altLang="en-US" sz="1300" u="none" strike="noStrike" cap="none" dirty="0">
+                          <a:solidFill>
+                            <a:schemeClr val="tx1"/>
+                          </a:solidFill>
+                        </a:rPr>
+                        <a:t>시청한 콘텐츠 평가</a:t>
+                      </a:r>
                       <a:endParaRPr sz="1300" u="none" strike="noStrike" cap="none" dirty="0">
                         <a:solidFill>
                           <a:schemeClr val="tx1"/>
@@ -5635,7 +5797,7 @@
                     <a:bodyPr/>
                     <a:lstStyle/>
                     <a:p>
-                      <a:pPr marL="0" marR="0" lvl="0" indent="0" algn="l" rtl="0">
+                      <a:pPr marL="0" marR="0" lvl="0" indent="0" algn="ctr" rtl="0">
                         <a:spcBef>
                           <a:spcPts val="0"/>
                         </a:spcBef>
@@ -5644,6 +5806,14 @@
                         </a:spcAft>
                         <a:buNone/>
                       </a:pPr>
+                      <a:r>
+                        <a:rPr lang="ko-KR" altLang="en-US" sz="1300" u="none" strike="noStrike" cap="none" dirty="0" err="1">
+                          <a:solidFill>
+                            <a:schemeClr val="tx1"/>
+                          </a:solidFill>
+                        </a:rPr>
+                        <a:t>티빙</a:t>
+                      </a:r>
                       <a:endParaRPr sz="1300" u="none" strike="noStrike" cap="none" dirty="0">
                         <a:solidFill>
                           <a:schemeClr val="tx1"/>
@@ -5806,7 +5976,103 @@
                         </a:spcAft>
                         <a:buNone/>
                       </a:pPr>
-                      <a:endParaRPr sz="1600" dirty="0">
+                      <a:r>
+                        <a:rPr lang="ko-KR" altLang="en-US" sz="1300" dirty="0" err="1">
+                          <a:solidFill>
+                            <a:schemeClr val="tx1"/>
+                          </a:solidFill>
+                        </a:rPr>
+                        <a:t>티빙의</a:t>
+                      </a:r>
+                      <a:r>
+                        <a:rPr lang="ko-KR" altLang="en-US" sz="1300" dirty="0">
+                          <a:solidFill>
+                            <a:schemeClr val="tx1"/>
+                          </a:solidFill>
+                        </a:rPr>
+                        <a:t> 애매한 추천 시스템</a:t>
+                      </a:r>
+                      <a:endParaRPr lang="en-US" altLang="ko-KR" sz="1300" dirty="0">
+                        <a:solidFill>
+                          <a:schemeClr val="tx1"/>
+                        </a:solidFill>
+                      </a:endParaRPr>
+                    </a:p>
+                    <a:p>
+                      <a:pPr marL="0" marR="0" lvl="0" indent="0" algn="l" rtl="0">
+                        <a:spcBef>
+                          <a:spcPts val="0"/>
+                        </a:spcBef>
+                        <a:spcAft>
+                          <a:spcPts val="0"/>
+                        </a:spcAft>
+                        <a:buNone/>
+                      </a:pPr>
+                      <a:r>
+                        <a:rPr lang="ko-KR" altLang="en-US" sz="1300" dirty="0" err="1">
+                          <a:solidFill>
+                            <a:schemeClr val="tx1"/>
+                          </a:solidFill>
+                        </a:rPr>
+                        <a:t>젋은</a:t>
+                      </a:r>
+                      <a:r>
+                        <a:rPr lang="ko-KR" altLang="en-US" sz="1300" dirty="0">
+                          <a:solidFill>
+                            <a:schemeClr val="tx1"/>
+                          </a:solidFill>
+                        </a:rPr>
+                        <a:t> 층의 높은 </a:t>
+                      </a:r>
+                      <a:r>
+                        <a:rPr lang="en-US" altLang="ko-KR" sz="1300" dirty="0" err="1">
+                          <a:solidFill>
+                            <a:schemeClr val="tx1"/>
+                          </a:solidFill>
+                        </a:rPr>
+                        <a:t>ott</a:t>
+                      </a:r>
+                      <a:r>
+                        <a:rPr lang="en-US" altLang="ko-KR" sz="1300" dirty="0">
+                          <a:solidFill>
+                            <a:schemeClr val="tx1"/>
+                          </a:solidFill>
+                        </a:rPr>
+                        <a:t> </a:t>
+                      </a:r>
+                      <a:r>
+                        <a:rPr lang="ko-KR" altLang="en-US" sz="1300" dirty="0">
+                          <a:solidFill>
+                            <a:schemeClr val="tx1"/>
+                          </a:solidFill>
+                        </a:rPr>
+                        <a:t>선택도</a:t>
+                      </a:r>
+                      <a:endParaRPr lang="en-US" altLang="ko-KR" sz="1300" dirty="0">
+                        <a:solidFill>
+                          <a:schemeClr val="tx1"/>
+                        </a:solidFill>
+                      </a:endParaRPr>
+                    </a:p>
+                    <a:p>
+                      <a:pPr marL="0" marR="0" lvl="0" indent="0" algn="l" rtl="0">
+                        <a:spcBef>
+                          <a:spcPts val="0"/>
+                        </a:spcBef>
+                        <a:spcAft>
+                          <a:spcPts val="0"/>
+                        </a:spcAft>
+                        <a:buNone/>
+                      </a:pPr>
+                      <a:r>
+                        <a:rPr lang="ko-KR" altLang="en-US" sz="1300" dirty="0">
+                          <a:solidFill>
+                            <a:schemeClr val="tx1"/>
+                          </a:solidFill>
+                        </a:rPr>
+                        <a:t>콘텐츠 확장의 높은 의지</a:t>
+                      </a:r>
+                      <a:endParaRPr sz="1300" dirty="0">
                         <a:solidFill>
                           <a:schemeClr val="tx1"/>
                         </a:solidFill>
@@ -6145,6 +6411,125 @@
                         <a:buSzPts val="1100"/>
                         <a:buNone/>
                       </a:pPr>
+                      <a:r>
+                        <a:rPr lang="ko-KR" altLang="en-US" sz="1100" dirty="0">
+                          <a:solidFill>
+                            <a:schemeClr val="tx1"/>
+                          </a:solidFill>
+                          <a:highlight>
+                            <a:srgbClr val="FFFFFF"/>
+                          </a:highlight>
+                          <a:latin typeface="맑은 고딕" panose="020B0503020000020004" pitchFamily="50" charset="-127"/>
+                          <a:ea typeface="맑은 고딕" panose="020B0503020000020004" pitchFamily="50" charset="-127"/>
+                          <a:cs typeface="Arial"/>
+                          <a:sym typeface="Arial"/>
+                        </a:rPr>
+                        <a:t>점점 방대한 콘텐츠 속에 개인 맞춤형 </a:t>
+                      </a:r>
+                      <a:r>
+                        <a:rPr lang="ko-KR" altLang="en-US" sz="1100" dirty="0" err="1">
+                          <a:solidFill>
+                            <a:schemeClr val="tx1"/>
+                          </a:solidFill>
+                          <a:highlight>
+                            <a:srgbClr val="FFFFFF"/>
+                          </a:highlight>
+                          <a:latin typeface="맑은 고딕" panose="020B0503020000020004" pitchFamily="50" charset="-127"/>
+                          <a:ea typeface="맑은 고딕" panose="020B0503020000020004" pitchFamily="50" charset="-127"/>
+                          <a:cs typeface="Arial"/>
+                          <a:sym typeface="Arial"/>
+                        </a:rPr>
+                        <a:t>큐레이션을</a:t>
+                      </a:r>
+                      <a:r>
+                        <a:rPr lang="ko-KR" altLang="en-US" sz="1100" dirty="0">
+                          <a:solidFill>
+                            <a:schemeClr val="tx1"/>
+                          </a:solidFill>
+                          <a:highlight>
+                            <a:srgbClr val="FFFFFF"/>
+                          </a:highlight>
+                          <a:latin typeface="맑은 고딕" panose="020B0503020000020004" pitchFamily="50" charset="-127"/>
+                          <a:ea typeface="맑은 고딕" panose="020B0503020000020004" pitchFamily="50" charset="-127"/>
+                          <a:cs typeface="Arial"/>
+                          <a:sym typeface="Arial"/>
+                        </a:rPr>
+                        <a:t> 통해 구독자 유지 및 체류 시간 증가</a:t>
+                      </a:r>
+                      <a:r>
+                        <a:rPr lang="en-US" altLang="ko-KR" sz="1100" dirty="0">
+                          <a:solidFill>
+                            <a:schemeClr val="tx1"/>
+                          </a:solidFill>
+                          <a:highlight>
+                            <a:srgbClr val="FFFFFF"/>
+                          </a:highlight>
+                          <a:latin typeface="맑은 고딕" panose="020B0503020000020004" pitchFamily="50" charset="-127"/>
+                          <a:ea typeface="맑은 고딕" panose="020B0503020000020004" pitchFamily="50" charset="-127"/>
+                          <a:cs typeface="Arial"/>
+                          <a:sym typeface="Arial"/>
+                        </a:rPr>
+                        <a:t>(</a:t>
+                      </a:r>
+                      <a:r>
+                        <a:rPr lang="ko-KR" altLang="en-US" sz="1100" dirty="0">
+                          <a:solidFill>
+                            <a:schemeClr val="tx1"/>
+                          </a:solidFill>
+                          <a:highlight>
+                            <a:srgbClr val="FFFFFF"/>
+                          </a:highlight>
+                          <a:latin typeface="맑은 고딕" panose="020B0503020000020004" pitchFamily="50" charset="-127"/>
+                          <a:ea typeface="맑은 고딕" panose="020B0503020000020004" pitchFamily="50" charset="-127"/>
+                          <a:cs typeface="Arial"/>
+                          <a:sym typeface="Arial"/>
+                        </a:rPr>
+                        <a:t>누적시간</a:t>
+                      </a:r>
+                      <a:r>
+                        <a:rPr lang="en-US" altLang="ko-KR" sz="1100" dirty="0">
+                          <a:solidFill>
+                            <a:schemeClr val="tx1"/>
+                          </a:solidFill>
+                          <a:highlight>
+                            <a:srgbClr val="FFFFFF"/>
+                          </a:highlight>
+                          <a:latin typeface="맑은 고딕" panose="020B0503020000020004" pitchFamily="50" charset="-127"/>
+                          <a:ea typeface="맑은 고딕" panose="020B0503020000020004" pitchFamily="50" charset="-127"/>
+                          <a:cs typeface="Arial"/>
+                          <a:sym typeface="Arial"/>
+                        </a:rPr>
+                        <a:t>)</a:t>
+                      </a:r>
+                      <a:br>
+                        <a:rPr lang="en-US" altLang="ko-KR" sz="1100" dirty="0">
+                          <a:solidFill>
+                            <a:schemeClr val="tx1"/>
+                          </a:solidFill>
+                          <a:highlight>
+                            <a:srgbClr val="FFFFFF"/>
+                          </a:highlight>
+                          <a:latin typeface="맑은 고딕" panose="020B0503020000020004" pitchFamily="50" charset="-127"/>
+                          <a:ea typeface="맑은 고딕" panose="020B0503020000020004" pitchFamily="50" charset="-127"/>
+                          <a:cs typeface="Arial"/>
+                          <a:sym typeface="Arial"/>
+                        </a:rPr>
+                      </a:br>
+                      <a:r>
+                        <a:rPr lang="ko-KR" altLang="en-US" sz="1100" dirty="0">
+                          <a:solidFill>
+                            <a:schemeClr val="tx1"/>
+                          </a:solidFill>
+                          <a:highlight>
+                            <a:srgbClr val="FFFFFF"/>
+                          </a:highlight>
+                          <a:latin typeface="맑은 고딕" panose="020B0503020000020004" pitchFamily="50" charset="-127"/>
+                          <a:ea typeface="맑은 고딕" panose="020B0503020000020004" pitchFamily="50" charset="-127"/>
+                          <a:cs typeface="Arial"/>
+                          <a:sym typeface="Arial"/>
+                        </a:rPr>
+                        <a:t>추천을 지속적으로 분석을 하여 트렌드에 맞는 콘텐츠 제작을 통해 신규 구독자 유입</a:t>
+                      </a:r>
                       <a:endParaRPr sz="1100" dirty="0">
                         <a:solidFill>
                           <a:schemeClr val="tx1"/>
@@ -7067,12 +7452,14 @@
 </file>
 
 <file path=customXml/item1.xml><?xml version="1.0" encoding="utf-8"?>
-<?mso-contentType ?>
-<FormTemplates xmlns="http://schemas.microsoft.com/sharepoint/v3/contenttype/forms">
-  <Display>DocumentLibraryForm</Display>
-  <Edit>DocumentLibraryForm</Edit>
-  <New>DocumentLibraryForm</New>
-</FormTemplates>
+<p:properties xmlns:p="http://schemas.microsoft.com/office/2006/metadata/properties" xmlns:xsi="http://www.w3.org/2001/XMLSchema-instance" xmlns:pc="http://schemas.microsoft.com/office/infopath/2007/PartnerControls">
+  <documentManagement>
+    <TaxCatchAll xmlns="9114dcef-bd0d-459c-b9d7-fc63398cdbee" xsi:nil="true"/>
+    <lcf76f155ced4ddcb4097134ff3c332f xmlns="1857a468-9f2d-455b-8425-136ceb0ac253">
+      <Terms xmlns="http://schemas.microsoft.com/office/infopath/2007/PartnerControls"/>
+    </lcf76f155ced4ddcb4097134ff3c332f>
+  </documentManagement>
+</p:properties>
 </file>
 
 <file path=customXml/item2.xml><?xml version="1.0" encoding="utf-8"?>
@@ -7317,20 +7704,27 @@
 </file>
 
 <file path=customXml/item3.xml><?xml version="1.0" encoding="utf-8"?>
-<p:properties xmlns:p="http://schemas.microsoft.com/office/2006/metadata/properties" xmlns:xsi="http://www.w3.org/2001/XMLSchema-instance" xmlns:pc="http://schemas.microsoft.com/office/infopath/2007/PartnerControls">
-  <documentManagement>
-    <TaxCatchAll xmlns="9114dcef-bd0d-459c-b9d7-fc63398cdbee" xsi:nil="true"/>
-    <lcf76f155ced4ddcb4097134ff3c332f xmlns="1857a468-9f2d-455b-8425-136ceb0ac253">
-      <Terms xmlns="http://schemas.microsoft.com/office/infopath/2007/PartnerControls"/>
-    </lcf76f155ced4ddcb4097134ff3c332f>
-  </documentManagement>
-</p:properties>
+<?mso-contentType ?>
+<FormTemplates xmlns="http://schemas.microsoft.com/sharepoint/v3/contenttype/forms">
+  <Display>DocumentLibraryForm</Display>
+  <Edit>DocumentLibraryForm</Edit>
+  <New>DocumentLibraryForm</New>
+</FormTemplates>
 </file>
 
 <file path=customXml/itemProps1.xml><?xml version="1.0" encoding="utf-8"?>
-<ds:datastoreItem xmlns:ds="http://schemas.openxmlformats.org/officeDocument/2006/customXml" ds:itemID="{EB6E4AB4-6812-4825-A477-08F4E470421C}">
+<ds:datastoreItem xmlns:ds="http://schemas.openxmlformats.org/officeDocument/2006/customXml" ds:itemID="{C474F5F0-E47C-4CD4-9BF1-D80ACD90DC05}">
   <ds:schemaRefs>
-    <ds:schemaRef ds:uri="http://schemas.microsoft.com/sharepoint/v3/contenttype/forms"/>
+    <ds:schemaRef ds:uri="http://purl.org/dc/dcmitype/"/>
+    <ds:schemaRef ds:uri="http://schemas.microsoft.com/office/2006/metadata/properties"/>
+    <ds:schemaRef ds:uri="9114dcef-bd0d-459c-b9d7-fc63398cdbee"/>
+    <ds:schemaRef ds:uri="http://purl.org/dc/terms/"/>
+    <ds:schemaRef ds:uri="http://purl.org/dc/elements/1.1/"/>
+    <ds:schemaRef ds:uri="http://schemas.openxmlformats.org/package/2006/metadata/core-properties"/>
+    <ds:schemaRef ds:uri="1857a468-9f2d-455b-8425-136ceb0ac253"/>
+    <ds:schemaRef ds:uri="http://schemas.microsoft.com/office/infopath/2007/PartnerControls"/>
+    <ds:schemaRef ds:uri="http://schemas.microsoft.com/office/2006/documentManagement/types"/>
+    <ds:schemaRef ds:uri="http://www.w3.org/XML/1998/namespace"/>
   </ds:schemaRefs>
 </ds:datastoreItem>
 </file>
@@ -7355,18 +7749,9 @@
 </file>
 
 <file path=customXml/itemProps3.xml><?xml version="1.0" encoding="utf-8"?>
-<ds:datastoreItem xmlns:ds="http://schemas.openxmlformats.org/officeDocument/2006/customXml" ds:itemID="{C474F5F0-E47C-4CD4-9BF1-D80ACD90DC05}">
+<ds:datastoreItem xmlns:ds="http://schemas.openxmlformats.org/officeDocument/2006/customXml" ds:itemID="{EB6E4AB4-6812-4825-A477-08F4E470421C}">
   <ds:schemaRefs>
-    <ds:schemaRef ds:uri="9114dcef-bd0d-459c-b9d7-fc63398cdbee"/>
-    <ds:schemaRef ds:uri="http://schemas.microsoft.com/office/2006/metadata/properties"/>
-    <ds:schemaRef ds:uri="http://www.w3.org/XML/1998/namespace"/>
-    <ds:schemaRef ds:uri="http://schemas.microsoft.com/office/2006/documentManagement/types"/>
-    <ds:schemaRef ds:uri="http://purl.org/dc/terms/"/>
-    <ds:schemaRef ds:uri="http://purl.org/dc/dcmitype/"/>
-    <ds:schemaRef ds:uri="http://purl.org/dc/elements/1.1/"/>
-    <ds:schemaRef ds:uri="http://schemas.microsoft.com/office/infopath/2007/PartnerControls"/>
-    <ds:schemaRef ds:uri="http://schemas.openxmlformats.org/package/2006/metadata/core-properties"/>
-    <ds:schemaRef ds:uri="1857a468-9f2d-455b-8425-136ceb0ac253"/>
+    <ds:schemaRef ds:uri="http://schemas.microsoft.com/sharepoint/v3/contenttype/forms"/>
   </ds:schemaRefs>
 </ds:datastoreItem>
 </file>